--- a/docs/myPresentation3.pptx
+++ b/docs/myPresentation3.pptx
@@ -2891,8 +2891,8 @@
         </p:nvSpPr>
         <p:spPr>
           <a:xfrm>
-            <a:off x="8615880" y="6415200"/>
-            <a:ext cx="307440" cy="367560"/>
+            <a:off x="8190360" y="6415200"/>
+            <a:ext cx="1158840" cy="367560"/>
           </a:xfrm>
           <a:custGeom>
             <a:avLst/>
@@ -2955,7 +2955,7 @@
                 <a:tab algn="l" pos="10058400"/>
               </a:tabLst>
             </a:pPr>
-            <a:fld id="{860513AC-7E4F-42C6-831D-C42338A12899}" type="slidenum">
+            <a:fld id="{5DD158A3-B0C5-4ABF-8127-C6391A71EE51}" type="slidenum">
               <a:rPr b="1" lang="en-US" sz="1800" spc="-1" strike="noStrike">
                 <a:solidFill>
                   <a:srgbClr val="42679b"/>
@@ -2963,7 +2963,7 @@
                 <a:latin typeface="Arial"/>
                 <a:ea typeface="DejaVu Sans"/>
               </a:rPr>
-              <a:t>&lt;номер&gt;</a:t>
+              <a:t>1</a:t>
             </a:fld>
             <a:endParaRPr b="0" lang="en-US" sz="1800" spc="-1" strike="noStrike">
               <a:latin typeface="Arial"/>
@@ -3346,8 +3346,8 @@
         </p:nvSpPr>
         <p:spPr>
           <a:xfrm>
-            <a:off x="8615880" y="6415200"/>
-            <a:ext cx="307440" cy="367560"/>
+            <a:off x="8190360" y="6415200"/>
+            <a:ext cx="1158840" cy="367560"/>
           </a:xfrm>
           <a:custGeom>
             <a:avLst/>
@@ -3410,7 +3410,7 @@
                 <a:tab algn="l" pos="10058400"/>
               </a:tabLst>
             </a:pPr>
-            <a:fld id="{BAA5388A-2607-4425-A799-6478B258B08B}" type="slidenum">
+            <a:fld id="{0386D17B-281A-4D01-8FF4-50CB1BA45C74}" type="slidenum">
               <a:rPr b="1" lang="en-US" sz="1800" spc="-1" strike="noStrike">
                 <a:solidFill>
                   <a:srgbClr val="42679b"/>
@@ -3837,7 +3837,7 @@
               </a:rPr>
               <a:t>УО «Витебский государственный технологический университет»</a:t>
             </a:r>
-            <a:endParaRPr b="0" lang="ru-RU" sz="1600" spc="-1" strike="noStrike">
+            <a:endParaRPr b="0" lang="en-US" sz="1600" spc="-1" strike="noStrike">
               <a:latin typeface="Arial"/>
             </a:endParaRPr>
           </a:p>
@@ -3853,7 +3853,7 @@
               </a:rPr>
               <a:t>Факультет повышения квалификации и переподготовки кадров</a:t>
             </a:r>
-            <a:endParaRPr b="0" lang="ru-RU" sz="1600" spc="-1" strike="noStrike">
+            <a:endParaRPr b="0" lang="en-US" sz="1600" spc="-1" strike="noStrike">
               <a:latin typeface="Arial"/>
             </a:endParaRPr>
           </a:p>
@@ -3960,7 +3960,7 @@
               </a:rPr>
               <a:t>Исполнитель:  Прядкин Д.Н.</a:t>
             </a:r>
-            <a:endParaRPr b="0" i="1" lang="en-US" sz="2000" spc="-1" strike="noStrike">
+            <a:endParaRPr b="0" lang="en-US" sz="2000" spc="-1" strike="noStrike">
               <a:latin typeface="Arial"/>
             </a:endParaRPr>
           </a:p>
@@ -4004,7 +4004,7 @@
               </a:rPr>
               <a:t>.</a:t>
             </a:r>
-            <a:endParaRPr b="0" i="1" lang="en-US" sz="2000" spc="-1" strike="noStrike">
+            <a:endParaRPr b="0" lang="en-US" sz="2000" spc="-1" strike="noStrike">
               <a:latin typeface="Arial"/>
             </a:endParaRPr>
           </a:p>
@@ -4135,6 +4135,7 @@
             <a:r>
               <a:rPr b="0" lang="ru-RU" sz="1600" spc="-1" strike="noStrike">
                 <a:latin typeface="Arial"/>
+                <a:ea typeface="Microsoft YaHei"/>
               </a:rPr>
               <a:t>Кафедра «Информационные системы и автоматизация производства» </a:t>
             </a:r>
@@ -4142,16 +4143,39 @@
             <a:r>
               <a:rPr b="0" lang="ru-RU" sz="1600" spc="-1" strike="noStrike">
                 <a:latin typeface="Arial"/>
+                <a:ea typeface="Microsoft YaHei"/>
               </a:rPr>
               <a:t>Специальность 1 – 40 01 73 «Программное обеспечение информационных систем»</a:t>
             </a:r>
-            <a:endParaRPr b="0" lang="ru-RU" sz="1600" spc="-1" strike="noStrike">
-              <a:latin typeface="Arial"/>
-              <a:ea typeface="Microsoft YaHei"/>
-            </a:endParaRPr>
-          </a:p>
-        </p:txBody>
-      </p:sp>
+            <a:endParaRPr b="0" lang="en-US" sz="1600" spc="-1" strike="noStrike">
+              <a:latin typeface="Arial"/>
+            </a:endParaRPr>
+          </a:p>
+        </p:txBody>
+      </p:sp>
+      <p:pic>
+        <p:nvPicPr>
+          <p:cNvPr id="91" name="" descr=""/>
+          <p:cNvPicPr/>
+          <p:nvPr/>
+        </p:nvPicPr>
+        <p:blipFill>
+          <a:blip r:embed="rId1"/>
+          <a:stretch/>
+        </p:blipFill>
+        <p:spPr>
+          <a:xfrm>
+            <a:off x="7246800" y="4800600"/>
+            <a:ext cx="1440000" cy="1440000"/>
+          </a:xfrm>
+          <a:prstGeom prst="rect">
+            <a:avLst/>
+          </a:prstGeom>
+          <a:ln w="0">
+            <a:noFill/>
+          </a:ln>
+        </p:spPr>
+      </p:pic>
     </p:spTree>
   </p:cSld>
   <mc:AlternateContent>
@@ -4184,7 +4208,7 @@
       </p:grpSpPr>
       <p:sp>
         <p:nvSpPr>
-          <p:cNvPr id="117" name="CustomShape 1"/>
+          <p:cNvPr id="118" name="CustomShape 1"/>
           <p:cNvSpPr/>
           <p:nvPr/>
         </p:nvSpPr>
@@ -4245,7 +4269,7 @@
       </p:sp>
       <p:sp>
         <p:nvSpPr>
-          <p:cNvPr id="118" name="Line 2"/>
+          <p:cNvPr id="119" name="Line 2"/>
           <p:cNvSpPr/>
           <p:nvPr/>
         </p:nvSpPr>
@@ -4273,7 +4297,7 @@
       </p:sp>
       <p:pic>
         <p:nvPicPr>
-          <p:cNvPr id="119" name="" descr=""/>
+          <p:cNvPr id="120" name="" descr=""/>
           <p:cNvPicPr/>
           <p:nvPr/>
         </p:nvPicPr>
@@ -4296,7 +4320,7 @@
       </p:pic>
       <p:pic>
         <p:nvPicPr>
-          <p:cNvPr id="120" name="" descr=""/>
+          <p:cNvPr id="121" name="" descr=""/>
           <p:cNvPicPr/>
           <p:nvPr/>
         </p:nvPicPr>
@@ -4349,7 +4373,7 @@
       </p:grpSpPr>
       <p:sp>
         <p:nvSpPr>
-          <p:cNvPr id="121" name="CustomShape 1"/>
+          <p:cNvPr id="122" name="CustomShape 1"/>
           <p:cNvSpPr/>
           <p:nvPr/>
         </p:nvSpPr>
@@ -4410,7 +4434,7 @@
       </p:sp>
       <p:sp>
         <p:nvSpPr>
-          <p:cNvPr id="122" name="CustomShape 2"/>
+          <p:cNvPr id="123" name="CustomShape 2"/>
           <p:cNvSpPr/>
           <p:nvPr/>
         </p:nvSpPr>
@@ -4470,7 +4494,7 @@
       </p:sp>
       <p:pic>
         <p:nvPicPr>
-          <p:cNvPr id="123" name="" descr=""/>
+          <p:cNvPr id="124" name="" descr=""/>
           <p:cNvPicPr/>
           <p:nvPr/>
         </p:nvPicPr>
@@ -4523,7 +4547,7 @@
       </p:grpSpPr>
       <p:sp>
         <p:nvSpPr>
-          <p:cNvPr id="124" name="CustomShape 1"/>
+          <p:cNvPr id="125" name="CustomShape 1"/>
           <p:cNvSpPr/>
           <p:nvPr/>
         </p:nvSpPr>
@@ -4574,7 +4598,7 @@
       </p:sp>
       <p:sp>
         <p:nvSpPr>
-          <p:cNvPr id="125" name="CustomShape 2"/>
+          <p:cNvPr id="126" name="CustomShape 2"/>
           <p:cNvSpPr/>
           <p:nvPr/>
         </p:nvSpPr>
@@ -4634,7 +4658,7 @@
       </p:sp>
       <p:pic>
         <p:nvPicPr>
-          <p:cNvPr id="126" name="" descr=""/>
+          <p:cNvPr id="127" name="" descr=""/>
           <p:cNvPicPr/>
           <p:nvPr/>
         </p:nvPicPr>
@@ -4687,7 +4711,7 @@
       </p:grpSpPr>
       <p:sp>
         <p:nvSpPr>
-          <p:cNvPr id="127" name="CustomShape 1"/>
+          <p:cNvPr id="128" name="CustomShape 1"/>
           <p:cNvSpPr/>
           <p:nvPr/>
         </p:nvSpPr>
@@ -4738,7 +4762,7 @@
       </p:sp>
       <p:sp>
         <p:nvSpPr>
-          <p:cNvPr id="128" name="CustomShape 2"/>
+          <p:cNvPr id="129" name="CustomShape 2"/>
           <p:cNvSpPr/>
           <p:nvPr/>
         </p:nvSpPr>
@@ -4798,7 +4822,7 @@
       </p:sp>
       <p:pic>
         <p:nvPicPr>
-          <p:cNvPr id="129" name="" descr=""/>
+          <p:cNvPr id="130" name="" descr=""/>
           <p:cNvPicPr/>
           <p:nvPr/>
         </p:nvPicPr>
@@ -4851,7 +4875,7 @@
       </p:grpSpPr>
       <p:sp>
         <p:nvSpPr>
-          <p:cNvPr id="130" name="CustomShape 1"/>
+          <p:cNvPr id="131" name="CustomShape 1"/>
           <p:cNvSpPr/>
           <p:nvPr/>
         </p:nvSpPr>
@@ -4912,7 +4936,7 @@
       </p:sp>
       <p:sp>
         <p:nvSpPr>
-          <p:cNvPr id="131" name="Line 2"/>
+          <p:cNvPr id="132" name="Line 2"/>
           <p:cNvSpPr/>
           <p:nvPr/>
         </p:nvSpPr>
@@ -4940,7 +4964,7 @@
       </p:sp>
       <p:pic>
         <p:nvPicPr>
-          <p:cNvPr id="132" name="" descr=""/>
+          <p:cNvPr id="133" name="" descr=""/>
           <p:cNvPicPr/>
           <p:nvPr/>
         </p:nvPicPr>
@@ -4963,7 +4987,7 @@
       </p:pic>
       <p:pic>
         <p:nvPicPr>
-          <p:cNvPr id="133" name="" descr=""/>
+          <p:cNvPr id="134" name="" descr=""/>
           <p:cNvPicPr/>
           <p:nvPr/>
         </p:nvPicPr>
@@ -5016,7 +5040,7 @@
       </p:grpSpPr>
       <p:sp>
         <p:nvSpPr>
-          <p:cNvPr id="134" name="CustomShape 1"/>
+          <p:cNvPr id="135" name="CustomShape 1"/>
           <p:cNvSpPr/>
           <p:nvPr/>
         </p:nvSpPr>
@@ -5077,7 +5101,7 @@
       </p:sp>
       <p:sp>
         <p:nvSpPr>
-          <p:cNvPr id="135" name="CustomShape 2"/>
+          <p:cNvPr id="136" name="CustomShape 2"/>
           <p:cNvSpPr/>
           <p:nvPr/>
         </p:nvSpPr>
@@ -5137,7 +5161,7 @@
       </p:sp>
       <p:pic>
         <p:nvPicPr>
-          <p:cNvPr id="136" name="" descr=""/>
+          <p:cNvPr id="137" name="" descr=""/>
           <p:cNvPicPr/>
           <p:nvPr/>
         </p:nvPicPr>
@@ -5190,7 +5214,7 @@
       </p:grpSpPr>
       <p:sp>
         <p:nvSpPr>
-          <p:cNvPr id="137" name="CustomShape 1"/>
+          <p:cNvPr id="138" name="CustomShape 1"/>
           <p:cNvSpPr/>
           <p:nvPr/>
         </p:nvSpPr>
@@ -5251,7 +5275,7 @@
       </p:sp>
       <p:sp>
         <p:nvSpPr>
-          <p:cNvPr id="138" name="CustomShape 2"/>
+          <p:cNvPr id="139" name="CustomShape 2"/>
           <p:cNvSpPr/>
           <p:nvPr/>
         </p:nvSpPr>
@@ -5311,7 +5335,7 @@
       </p:sp>
       <p:pic>
         <p:nvPicPr>
-          <p:cNvPr id="139" name="" descr=""/>
+          <p:cNvPr id="140" name="" descr=""/>
           <p:cNvPicPr/>
           <p:nvPr/>
         </p:nvPicPr>
@@ -5364,7 +5388,7 @@
       </p:grpSpPr>
       <p:sp>
         <p:nvSpPr>
-          <p:cNvPr id="140" name="CustomShape 1"/>
+          <p:cNvPr id="141" name="CustomShape 1"/>
           <p:cNvSpPr/>
           <p:nvPr/>
         </p:nvSpPr>
@@ -5415,7 +5439,7 @@
       </p:sp>
       <p:sp>
         <p:nvSpPr>
-          <p:cNvPr id="141" name="CustomShape 2"/>
+          <p:cNvPr id="142" name="CustomShape 2"/>
           <p:cNvSpPr/>
           <p:nvPr/>
         </p:nvSpPr>
@@ -5475,7 +5499,7 @@
       </p:sp>
       <p:pic>
         <p:nvPicPr>
-          <p:cNvPr id="142" name="" descr=""/>
+          <p:cNvPr id="143" name="" descr=""/>
           <p:cNvPicPr/>
           <p:nvPr/>
         </p:nvPicPr>
@@ -5528,7 +5552,7 @@
       </p:grpSpPr>
       <p:sp>
         <p:nvSpPr>
-          <p:cNvPr id="143" name="CustomShape 1"/>
+          <p:cNvPr id="144" name="CustomShape 1"/>
           <p:cNvSpPr/>
           <p:nvPr/>
         </p:nvSpPr>
@@ -5589,7 +5613,7 @@
       </p:sp>
       <p:sp>
         <p:nvSpPr>
-          <p:cNvPr id="144" name="CustomShape 2"/>
+          <p:cNvPr id="145" name="CustomShape 2"/>
           <p:cNvSpPr/>
           <p:nvPr/>
         </p:nvSpPr>
@@ -5649,7 +5673,7 @@
       </p:sp>
       <p:pic>
         <p:nvPicPr>
-          <p:cNvPr id="145" name="" descr=""/>
+          <p:cNvPr id="146" name="" descr=""/>
           <p:cNvPicPr/>
           <p:nvPr/>
         </p:nvPicPr>
@@ -5702,7 +5726,7 @@
       </p:grpSpPr>
       <p:sp>
         <p:nvSpPr>
-          <p:cNvPr id="146" name="CustomShape 1"/>
+          <p:cNvPr id="147" name="CustomShape 1"/>
           <p:cNvSpPr/>
           <p:nvPr/>
         </p:nvSpPr>
@@ -5763,7 +5787,7 @@
       </p:sp>
       <p:sp>
         <p:nvSpPr>
-          <p:cNvPr id="147" name="CustomShape 2"/>
+          <p:cNvPr id="148" name="CustomShape 2"/>
           <p:cNvSpPr/>
           <p:nvPr/>
         </p:nvSpPr>
@@ -5823,7 +5847,7 @@
       </p:sp>
       <p:pic>
         <p:nvPicPr>
-          <p:cNvPr id="148" name="" descr=""/>
+          <p:cNvPr id="149" name="" descr=""/>
           <p:cNvPicPr/>
           <p:nvPr/>
         </p:nvPicPr>
@@ -5876,7 +5900,7 @@
       </p:grpSpPr>
       <p:sp>
         <p:nvSpPr>
-          <p:cNvPr id="91" name="CustomShape 1"/>
+          <p:cNvPr id="92" name="CustomShape 1"/>
           <p:cNvSpPr/>
           <p:nvPr/>
         </p:nvSpPr>
@@ -5902,7 +5926,7 @@
       </p:sp>
       <p:sp>
         <p:nvSpPr>
-          <p:cNvPr id="92" name="CustomShape 2"/>
+          <p:cNvPr id="93" name="CustomShape 2"/>
           <p:cNvSpPr/>
           <p:nvPr/>
         </p:nvSpPr>
@@ -5970,6 +5994,11 @@
             </a:endParaRPr>
           </a:p>
           <a:p>
+            <a:pPr>
+              <a:lnSpc>
+                <a:spcPct val="100000"/>
+              </a:lnSpc>
+            </a:pPr>
             <a:r>
               <a:rPr b="1" i="1" lang="ru-RU" sz="2400" spc="-1" strike="noStrike">
                 <a:solidFill>
@@ -5996,6 +6025,9 @@
           </a:p>
           <a:p>
             <a:pPr marL="216000" indent="-216000">
+              <a:lnSpc>
+                <a:spcPct val="100000"/>
+              </a:lnSpc>
               <a:buClr>
                 <a:srgbClr val="000000"/>
               </a:buClr>
@@ -6018,6 +6050,9 @@
           </a:p>
           <a:p>
             <a:pPr marL="216000" indent="-216000">
+              <a:lnSpc>
+                <a:spcPct val="100000"/>
+              </a:lnSpc>
               <a:buClr>
                 <a:srgbClr val="000000"/>
               </a:buClr>
@@ -6040,6 +6075,9 @@
           </a:p>
           <a:p>
             <a:pPr marL="216000" indent="-216000">
+              <a:lnSpc>
+                <a:spcPct val="100000"/>
+              </a:lnSpc>
               <a:buClr>
                 <a:srgbClr val="000000"/>
               </a:buClr>
@@ -6062,6 +6100,9 @@
           </a:p>
           <a:p>
             <a:pPr marL="216000" indent="-216000">
+              <a:lnSpc>
+                <a:spcPct val="100000"/>
+              </a:lnSpc>
               <a:buClr>
                 <a:srgbClr val="000000"/>
               </a:buClr>
@@ -6126,7 +6167,7 @@
       </p:grpSpPr>
       <p:sp>
         <p:nvSpPr>
-          <p:cNvPr id="149" name="CustomShape 1"/>
+          <p:cNvPr id="150" name="CustomShape 1"/>
           <p:cNvSpPr/>
           <p:nvPr/>
         </p:nvSpPr>
@@ -6187,7 +6228,7 @@
       </p:sp>
       <p:sp>
         <p:nvSpPr>
-          <p:cNvPr id="150" name="CustomShape 2"/>
+          <p:cNvPr id="151" name="CustomShape 2"/>
           <p:cNvSpPr/>
           <p:nvPr/>
         </p:nvSpPr>
@@ -6247,7 +6288,7 @@
       </p:sp>
       <p:pic>
         <p:nvPicPr>
-          <p:cNvPr id="151" name="" descr=""/>
+          <p:cNvPr id="152" name="" descr=""/>
           <p:cNvPicPr/>
           <p:nvPr/>
         </p:nvPicPr>
@@ -6300,7 +6341,7 @@
       </p:grpSpPr>
       <p:sp>
         <p:nvSpPr>
-          <p:cNvPr id="152" name="CustomShape 1"/>
+          <p:cNvPr id="153" name="CustomShape 1"/>
           <p:cNvSpPr/>
           <p:nvPr/>
         </p:nvSpPr>
@@ -6361,7 +6402,7 @@
       </p:sp>
       <p:sp>
         <p:nvSpPr>
-          <p:cNvPr id="153" name="CustomShape 2"/>
+          <p:cNvPr id="154" name="CustomShape 2"/>
           <p:cNvSpPr/>
           <p:nvPr/>
         </p:nvSpPr>
@@ -6421,7 +6462,7 @@
       </p:sp>
       <p:pic>
         <p:nvPicPr>
-          <p:cNvPr id="154" name="" descr=""/>
+          <p:cNvPr id="155" name="" descr=""/>
           <p:cNvPicPr/>
           <p:nvPr/>
         </p:nvPicPr>
@@ -6474,7 +6515,7 @@
       </p:grpSpPr>
       <p:sp>
         <p:nvSpPr>
-          <p:cNvPr id="155" name="CustomShape 1"/>
+          <p:cNvPr id="156" name="CustomShape 1"/>
           <p:cNvSpPr/>
           <p:nvPr/>
         </p:nvSpPr>
@@ -6535,7 +6576,7 @@
       </p:sp>
       <p:sp>
         <p:nvSpPr>
-          <p:cNvPr id="156" name="CustomShape 2"/>
+          <p:cNvPr id="157" name="CustomShape 2"/>
           <p:cNvSpPr/>
           <p:nvPr/>
         </p:nvSpPr>
@@ -6595,7 +6636,7 @@
       </p:sp>
       <p:pic>
         <p:nvPicPr>
-          <p:cNvPr id="157" name="" descr=""/>
+          <p:cNvPr id="158" name="" descr=""/>
           <p:cNvPicPr/>
           <p:nvPr/>
         </p:nvPicPr>
@@ -6648,7 +6689,7 @@
       </p:grpSpPr>
       <p:sp>
         <p:nvSpPr>
-          <p:cNvPr id="158" name="CustomShape 1"/>
+          <p:cNvPr id="159" name="CustomShape 1"/>
           <p:cNvSpPr/>
           <p:nvPr/>
         </p:nvSpPr>
@@ -6709,7 +6750,7 @@
       </p:sp>
       <p:sp>
         <p:nvSpPr>
-          <p:cNvPr id="159" name="CustomShape 2"/>
+          <p:cNvPr id="160" name="CustomShape 2"/>
           <p:cNvSpPr/>
           <p:nvPr/>
         </p:nvSpPr>
@@ -6769,7 +6810,7 @@
       </p:sp>
       <p:pic>
         <p:nvPicPr>
-          <p:cNvPr id="160" name="" descr=""/>
+          <p:cNvPr id="161" name="" descr=""/>
           <p:cNvPicPr/>
           <p:nvPr/>
         </p:nvPicPr>
@@ -6822,7 +6863,7 @@
       </p:grpSpPr>
       <p:sp>
         <p:nvSpPr>
-          <p:cNvPr id="161" name="CustomShape 1"/>
+          <p:cNvPr id="162" name="CustomShape 1"/>
           <p:cNvSpPr/>
           <p:nvPr/>
         </p:nvSpPr>
@@ -6883,7 +6924,7 @@
       </p:sp>
       <p:sp>
         <p:nvSpPr>
-          <p:cNvPr id="162" name="CustomShape 2"/>
+          <p:cNvPr id="163" name="CustomShape 2"/>
           <p:cNvSpPr/>
           <p:nvPr/>
         </p:nvSpPr>
@@ -6943,7 +6984,7 @@
       </p:sp>
       <p:pic>
         <p:nvPicPr>
-          <p:cNvPr id="163" name="" descr=""/>
+          <p:cNvPr id="164" name="" descr=""/>
           <p:cNvPicPr/>
           <p:nvPr/>
         </p:nvPicPr>
@@ -6996,7 +7037,7 @@
       </p:grpSpPr>
       <p:sp>
         <p:nvSpPr>
-          <p:cNvPr id="164" name="CustomShape 1"/>
+          <p:cNvPr id="165" name="CustomShape 1"/>
           <p:cNvSpPr/>
           <p:nvPr/>
         </p:nvSpPr>
@@ -7047,7 +7088,7 @@
       </p:sp>
       <p:sp>
         <p:nvSpPr>
-          <p:cNvPr id="165" name="CustomShape 2"/>
+          <p:cNvPr id="166" name="CustomShape 2"/>
           <p:cNvSpPr/>
           <p:nvPr/>
         </p:nvSpPr>
@@ -7107,7 +7148,7 @@
       </p:sp>
       <p:pic>
         <p:nvPicPr>
-          <p:cNvPr id="166" name="" descr=""/>
+          <p:cNvPr id="167" name="" descr=""/>
           <p:cNvPicPr/>
           <p:nvPr/>
         </p:nvPicPr>
@@ -7160,7 +7201,7 @@
       </p:grpSpPr>
       <p:sp>
         <p:nvSpPr>
-          <p:cNvPr id="167" name="CustomShape 1"/>
+          <p:cNvPr id="168" name="CustomShape 1"/>
           <p:cNvSpPr/>
           <p:nvPr/>
         </p:nvSpPr>
@@ -7211,7 +7252,7 @@
       </p:sp>
       <p:sp>
         <p:nvSpPr>
-          <p:cNvPr id="168" name="CustomShape 2"/>
+          <p:cNvPr id="169" name="CustomShape 2"/>
           <p:cNvSpPr/>
           <p:nvPr/>
         </p:nvSpPr>
@@ -7271,7 +7312,7 @@
       </p:sp>
       <p:pic>
         <p:nvPicPr>
-          <p:cNvPr id="169" name="" descr=""/>
+          <p:cNvPr id="170" name="" descr=""/>
           <p:cNvPicPr/>
           <p:nvPr/>
         </p:nvPicPr>
@@ -7324,7 +7365,7 @@
       </p:grpSpPr>
       <p:sp>
         <p:nvSpPr>
-          <p:cNvPr id="170" name="CustomShape 1"/>
+          <p:cNvPr id="171" name="CustomShape 1"/>
           <p:cNvSpPr/>
           <p:nvPr/>
         </p:nvSpPr>
@@ -7350,7 +7391,7 @@
       </p:sp>
       <p:sp>
         <p:nvSpPr>
-          <p:cNvPr id="171" name="CustomShape 2"/>
+          <p:cNvPr id="172" name="CustomShape 2"/>
           <p:cNvSpPr/>
           <p:nvPr/>
         </p:nvSpPr>
@@ -7397,7 +7438,7 @@
               </a:rPr>
               <a:t>В процессе выполнения дипломного проекта были решены следующие задачи:</a:t>
             </a:r>
-            <a:endParaRPr b="0" lang="ru-RU" sz="2600" spc="-1" strike="noStrike">
+            <a:endParaRPr b="0" lang="en-US" sz="2600" spc="-1" strike="noStrike">
               <a:latin typeface="Arial"/>
             </a:endParaRPr>
           </a:p>
@@ -7411,7 +7452,7 @@
                 <a:tab algn="l" pos="2857680"/>
               </a:tabLst>
             </a:pPr>
-            <a:endParaRPr b="0" lang="ru-RU" sz="2600" spc="-1" strike="noStrike">
+            <a:endParaRPr b="0" lang="en-US" sz="2600" spc="-1" strike="noStrike">
               <a:latin typeface="Arial"/>
             </a:endParaRPr>
           </a:p>
@@ -7437,7 +7478,7 @@
               </a:rPr>
               <a:t>обозначена предметная область информационной системы управления аварийно-профилактической группой;</a:t>
             </a:r>
-            <a:endParaRPr b="0" lang="ru-RU" sz="2600" spc="-1" strike="noStrike">
+            <a:endParaRPr b="0" lang="en-US" sz="2600" spc="-1" strike="noStrike">
               <a:latin typeface="Arial"/>
             </a:endParaRPr>
           </a:p>
@@ -7453,7 +7494,7 @@
               <a:buFont typeface="Wingdings" charset="2"/>
               <a:buChar char=""/>
             </a:pPr>
-            <a:endParaRPr b="0" lang="ru-RU" sz="2600" spc="-1" strike="noStrike">
+            <a:endParaRPr b="0" lang="en-US" sz="2600" spc="-1" strike="noStrike">
               <a:latin typeface="Arial"/>
             </a:endParaRPr>
           </a:p>
@@ -7487,19 +7528,9 @@
                 <a:latin typeface="Arial"/>
                 <a:ea typeface="Microsoft YaHei"/>
               </a:rPr>
-              <a:t>информационной системы</a:t>
+              <a:t>информационной системы и информационная составляющая;</a:t>
             </a:r>
-            <a:r>
-              <a:rPr b="0" i="1" lang="ru-RU" sz="2600" spc="-1" strike="noStrike">
-                <a:solidFill>
-                  <a:srgbClr val="000000"/>
-                </a:solidFill>
-                <a:latin typeface="Arial"/>
-                <a:ea typeface="Microsoft YaHei"/>
-              </a:rPr>
-              <a:t> и информационная составляющая;</a:t>
-            </a:r>
-            <a:endParaRPr b="0" lang="ru-RU" sz="2600" spc="-1" strike="noStrike">
+            <a:endParaRPr b="0" lang="en-US" sz="2600" spc="-1" strike="noStrike">
               <a:latin typeface="Arial"/>
             </a:endParaRPr>
           </a:p>
@@ -7515,7 +7546,7 @@
               <a:buFont typeface="Wingdings" charset="2"/>
               <a:buChar char=""/>
             </a:pPr>
-            <a:endParaRPr b="0" lang="ru-RU" sz="2600" spc="-1" strike="noStrike">
+            <a:endParaRPr b="0" lang="en-US" sz="2600" spc="-1" strike="noStrike">
               <a:latin typeface="Arial"/>
             </a:endParaRPr>
           </a:p>
@@ -7544,7 +7575,7 @@
               </a:rPr>
               <a:t>выполнено концептуальное и логическое моделирование базы данных;</a:t>
             </a:r>
-            <a:endParaRPr b="0" lang="ru-RU" sz="2600" spc="-1" strike="noStrike">
+            <a:endParaRPr b="0" lang="en-US" sz="2600" spc="-1" strike="noStrike">
               <a:latin typeface="Arial"/>
             </a:endParaRPr>
           </a:p>
@@ -7563,7 +7594,7 @@
                 <a:tab algn="l" pos="450360"/>
               </a:tabLst>
             </a:pPr>
-            <a:endParaRPr b="0" lang="ru-RU" sz="2600" spc="-1" strike="noStrike">
+            <a:endParaRPr b="0" lang="en-US" sz="2600" spc="-1" strike="noStrike">
               <a:latin typeface="Arial"/>
             </a:endParaRPr>
           </a:p>
@@ -7602,7 +7633,7 @@
               </a:rPr>
               <a:t>информационная система на языке PHP.</a:t>
             </a:r>
-            <a:endParaRPr b="0" lang="ru-RU" sz="2600" spc="-1" strike="noStrike">
+            <a:endParaRPr b="0" lang="en-US" sz="2600" spc="-1" strike="noStrike">
               <a:latin typeface="Arial"/>
             </a:endParaRPr>
           </a:p>
@@ -7640,7 +7671,7 @@
       </p:grpSpPr>
       <p:sp>
         <p:nvSpPr>
-          <p:cNvPr id="172" name="CustomShape 1"/>
+          <p:cNvPr id="173" name="CustomShape 1"/>
           <p:cNvSpPr/>
           <p:nvPr/>
         </p:nvSpPr>
@@ -7751,7 +7782,7 @@
       </p:sp>
       <p:sp>
         <p:nvSpPr>
-          <p:cNvPr id="173" name="CustomShape 2"/>
+          <p:cNvPr id="174" name="CustomShape 2"/>
           <p:cNvSpPr/>
           <p:nvPr/>
         </p:nvSpPr>
@@ -7841,7 +7872,7 @@
       </p:grpSpPr>
       <p:sp>
         <p:nvSpPr>
-          <p:cNvPr id="93" name="CustomShape 1"/>
+          <p:cNvPr id="94" name="CustomShape 1"/>
           <p:cNvSpPr/>
           <p:nvPr/>
         </p:nvSpPr>
@@ -7867,7 +7898,7 @@
       </p:sp>
       <p:sp>
         <p:nvSpPr>
-          <p:cNvPr id="94" name="CustomShape 2"/>
+          <p:cNvPr id="95" name="CustomShape 2"/>
           <p:cNvSpPr/>
           <p:nvPr/>
         </p:nvSpPr>
@@ -7927,7 +7958,7 @@
       </p:sp>
       <p:sp>
         <p:nvSpPr>
-          <p:cNvPr id="95" name="CustomShape 3"/>
+          <p:cNvPr id="96" name="CustomShape 3"/>
           <p:cNvSpPr/>
           <p:nvPr/>
         </p:nvSpPr>
@@ -7978,7 +8009,7 @@
       </p:sp>
       <p:pic>
         <p:nvPicPr>
-          <p:cNvPr id="96" name="" descr=""/>
+          <p:cNvPr id="97" name="" descr=""/>
           <p:cNvPicPr/>
           <p:nvPr/>
         </p:nvPicPr>
@@ -8031,7 +8062,7 @@
       </p:grpSpPr>
       <p:sp>
         <p:nvSpPr>
-          <p:cNvPr id="97" name="CustomShape 1"/>
+          <p:cNvPr id="98" name="CustomShape 1"/>
           <p:cNvSpPr/>
           <p:nvPr/>
         </p:nvSpPr>
@@ -8057,7 +8088,7 @@
       </p:sp>
       <p:sp>
         <p:nvSpPr>
-          <p:cNvPr id="98" name="CustomShape 2"/>
+          <p:cNvPr id="99" name="CustomShape 2"/>
           <p:cNvSpPr/>
           <p:nvPr/>
         </p:nvSpPr>
@@ -8117,7 +8148,7 @@
       </p:sp>
       <p:sp>
         <p:nvSpPr>
-          <p:cNvPr id="99" name="CustomShape 3"/>
+          <p:cNvPr id="100" name="CustomShape 3"/>
           <p:cNvSpPr/>
           <p:nvPr/>
         </p:nvSpPr>
@@ -8188,7 +8219,7 @@
       </p:sp>
       <p:pic>
         <p:nvPicPr>
-          <p:cNvPr id="100" name="" descr=""/>
+          <p:cNvPr id="101" name="" descr=""/>
           <p:cNvPicPr/>
           <p:nvPr/>
         </p:nvPicPr>
@@ -8241,7 +8272,7 @@
       </p:grpSpPr>
       <p:sp>
         <p:nvSpPr>
-          <p:cNvPr id="101" name="CustomShape 1"/>
+          <p:cNvPr id="102" name="CustomShape 1"/>
           <p:cNvSpPr/>
           <p:nvPr/>
         </p:nvSpPr>
@@ -8292,7 +8323,7 @@
       </p:sp>
       <p:sp>
         <p:nvSpPr>
-          <p:cNvPr id="102" name="CustomShape 2"/>
+          <p:cNvPr id="103" name="CustomShape 2"/>
           <p:cNvSpPr/>
           <p:nvPr/>
         </p:nvSpPr>
@@ -8352,7 +8383,7 @@
       </p:sp>
       <p:pic>
         <p:nvPicPr>
-          <p:cNvPr id="103" name="" descr=""/>
+          <p:cNvPr id="104" name="" descr=""/>
           <p:cNvPicPr/>
           <p:nvPr/>
         </p:nvPicPr>
@@ -8405,7 +8436,7 @@
       </p:grpSpPr>
       <p:sp>
         <p:nvSpPr>
-          <p:cNvPr id="104" name="CustomShape 1"/>
+          <p:cNvPr id="105" name="CustomShape 1"/>
           <p:cNvSpPr/>
           <p:nvPr/>
         </p:nvSpPr>
@@ -8456,7 +8487,7 @@
       </p:sp>
       <p:sp>
         <p:nvSpPr>
-          <p:cNvPr id="105" name="CustomShape 2"/>
+          <p:cNvPr id="106" name="CustomShape 2"/>
           <p:cNvSpPr/>
           <p:nvPr/>
         </p:nvSpPr>
@@ -8516,7 +8547,7 @@
       </p:sp>
       <p:pic>
         <p:nvPicPr>
-          <p:cNvPr id="106" name="" descr=""/>
+          <p:cNvPr id="107" name="" descr=""/>
           <p:cNvPicPr/>
           <p:nvPr/>
         </p:nvPicPr>
@@ -8569,7 +8600,7 @@
       </p:grpSpPr>
       <p:sp>
         <p:nvSpPr>
-          <p:cNvPr id="107" name="CustomShape 1"/>
+          <p:cNvPr id="108" name="CustomShape 1"/>
           <p:cNvSpPr/>
           <p:nvPr/>
         </p:nvSpPr>
@@ -8620,7 +8651,7 @@
       </p:sp>
       <p:sp>
         <p:nvSpPr>
-          <p:cNvPr id="108" name="CustomShape 2"/>
+          <p:cNvPr id="109" name="CustomShape 2"/>
           <p:cNvSpPr/>
           <p:nvPr/>
         </p:nvSpPr>
@@ -8680,7 +8711,7 @@
       </p:sp>
       <p:pic>
         <p:nvPicPr>
-          <p:cNvPr id="109" name="" descr=""/>
+          <p:cNvPr id="110" name="" descr=""/>
           <p:cNvPicPr/>
           <p:nvPr/>
         </p:nvPicPr>
@@ -8733,7 +8764,7 @@
       </p:grpSpPr>
       <p:sp>
         <p:nvSpPr>
-          <p:cNvPr id="110" name="CustomShape 1"/>
+          <p:cNvPr id="111" name="CustomShape 1"/>
           <p:cNvSpPr/>
           <p:nvPr/>
         </p:nvSpPr>
@@ -8785,7 +8816,7 @@
       </p:sp>
       <p:sp>
         <p:nvSpPr>
-          <p:cNvPr id="111" name="CustomShape 2"/>
+          <p:cNvPr id="112" name="CustomShape 2"/>
           <p:cNvSpPr/>
           <p:nvPr/>
         </p:nvSpPr>
@@ -8845,7 +8876,7 @@
       </p:sp>
       <p:pic>
         <p:nvPicPr>
-          <p:cNvPr id="112" name="" descr=""/>
+          <p:cNvPr id="113" name="" descr=""/>
           <p:cNvPicPr/>
           <p:nvPr/>
         </p:nvPicPr>
@@ -8868,7 +8899,7 @@
       </p:pic>
       <p:pic>
         <p:nvPicPr>
-          <p:cNvPr id="113" name="" descr=""/>
+          <p:cNvPr id="114" name="" descr=""/>
           <p:cNvPicPr/>
           <p:nvPr/>
         </p:nvPicPr>
@@ -8921,7 +8952,7 @@
       </p:grpSpPr>
       <p:sp>
         <p:nvSpPr>
-          <p:cNvPr id="114" name="CustomShape 1"/>
+          <p:cNvPr id="115" name="CustomShape 1"/>
           <p:cNvSpPr/>
           <p:nvPr/>
         </p:nvSpPr>
@@ -8982,7 +9013,7 @@
       </p:sp>
       <p:sp>
         <p:nvSpPr>
-          <p:cNvPr id="115" name="CustomShape 2"/>
+          <p:cNvPr id="116" name="CustomShape 2"/>
           <p:cNvSpPr/>
           <p:nvPr/>
         </p:nvSpPr>
@@ -9042,7 +9073,7 @@
       </p:sp>
       <p:pic>
         <p:nvPicPr>
-          <p:cNvPr id="116" name="" descr=""/>
+          <p:cNvPr id="117" name="" descr=""/>
           <p:cNvPicPr/>
           <p:nvPr/>
         </p:nvPicPr>
